--- a/ChefConf2017-MakingWindowsWorkForYou.pptx
+++ b/ChefConf2017-MakingWindowsWorkForYou.pptx
@@ -163,6 +163,10 @@
 </p:presentation>
 </file>
 
+<file path=ppt/revisionInfo.xml><?xml version="1.0" encoding="utf-8"?>
+<p1510:revInfo xmlns:a="http://schemas.openxmlformats.org/drawingml/2006/main" xmlns:r="http://schemas.openxmlformats.org/officeDocument/2006/relationships" xmlns:p1510="http://schemas.microsoft.com/office/powerpoint/2015/10/main"/>
+</file>
+
 <file path=ppt/notesMasters/notesMaster1.xml><?xml version="1.0" encoding="utf-8"?>
 <p:notesMaster xmlns:a="http://schemas.openxmlformats.org/drawingml/2006/main" xmlns:r="http://schemas.openxmlformats.org/officeDocument/2006/relationships" xmlns:p="http://schemas.openxmlformats.org/presentationml/2006/main">
   <p:cSld>
@@ -245,7 +249,7 @@
           <a:p>
             <a:fld id="{A55623C4-C9FB-1149-A2D5-ACBF0AB07F8E}" type="datetimeFigureOut">
               <a:rPr lang="en-US" smtClean="0"/>
-              <a:t>5/21/2017</a:t>
+              <a:t>5/22/2017</a:t>
             </a:fld>
             <a:endParaRPr lang="en-US"/>
           </a:p>
@@ -5401,7 +5405,7 @@
             <a:pPr lvl="1"/>
             <a:r>
               <a:rPr lang="en-US" dirty="0"/>
-              <a:t>Hostname: cc2017workstations.southcentralus.cloudapp.com</a:t>
+              <a:t>Hostname: cc2017workstations.southcentralus.cloudapp.azure.com</a:t>
             </a:r>
           </a:p>
           <a:p>
